--- a/lectures/week4/lecture2/slides/week4_lecture2.pptx
+++ b/lectures/week4/lecture2/slides/week4_lecture2.pptx
@@ -2,7 +2,7 @@
 <file path=ppt/presentation.xml><?xml version="1.0" encoding="utf-8"?>
 <p:presentation xmlns:a="http://schemas.openxmlformats.org/drawingml/2006/main" xmlns:r="http://schemas.openxmlformats.org/officeDocument/2006/relationships" xmlns:p="http://schemas.openxmlformats.org/presentationml/2006/main" saveSubsetFonts="1">
   <p:sldMasterIdLst>
-    <p:sldMasterId id="2147483665" r:id="rId1"/>
+    <p:sldMasterId id="2147483670" r:id="rId1"/>
   </p:sldMasterIdLst>
   <p:sldIdLst>
     <p:sldId id="256" r:id="rId2"/>
@@ -167,7 +167,7 @@
           <p:cNvPr id="2" name="Title 1">
             <a:extLst>
               <a:ext uri="{FF2B5EF4-FFF2-40B4-BE49-F238E27FC236}">
-                <a16:creationId xmlns:a16="http://schemas.microsoft.com/office/drawing/2014/main" id="{8C70E9A4-6E61-4AF5-9711-A3D313611356}"/>
+                <a16:creationId xmlns:a16="http://schemas.microsoft.com/office/drawing/2014/main" id="{45F8F638-606D-A22E-8F9F-A4A6D858EDA6}"/>
               </a:ext>
             </a:extLst>
           </p:cNvPr>
@@ -180,17 +180,15 @@
         </p:nvSpPr>
         <p:spPr>
           <a:xfrm>
-            <a:off x="335947" y="2409479"/>
+            <a:off x="335947" y="3285779"/>
             <a:ext cx="11391065" cy="893580"/>
           </a:xfrm>
         </p:spPr>
         <p:txBody>
-          <a:bodyPr anchor="b">
-            <a:normAutofit/>
-          </a:bodyPr>
+          <a:bodyPr/>
           <a:lstStyle>
-            <a:lvl1pPr algn="l">
-              <a:defRPr sz="4800">
+            <a:lvl1pPr>
+              <a:defRPr>
                 <a:solidFill>
                   <a:srgbClr val="FFFFFF"/>
                 </a:solidFill>
@@ -202,7 +200,7 @@
               <a:rPr lang="en-US"/>
               <a:t>Click to edit Master title style</a:t>
             </a:r>
-            <a:endParaRPr lang="en-CA" dirty="0"/>
+            <a:endParaRPr lang="en-US" dirty="0"/>
           </a:p>
         </p:txBody>
       </p:sp>
@@ -211,7 +209,7 @@
           <p:cNvPr id="3" name="Subtitle 2">
             <a:extLst>
               <a:ext uri="{FF2B5EF4-FFF2-40B4-BE49-F238E27FC236}">
-                <a16:creationId xmlns:a16="http://schemas.microsoft.com/office/drawing/2014/main" id="{959B255B-D275-45F6-ACB5-BBD491BB4ADD}"/>
+                <a16:creationId xmlns:a16="http://schemas.microsoft.com/office/drawing/2014/main" id="{4EB4BAB1-A261-2102-CEA9-063F697A42AF}"/>
               </a:ext>
             </a:extLst>
           </p:cNvPr>
@@ -224,70 +222,35 @@
         </p:nvSpPr>
         <p:spPr>
           <a:xfrm>
-            <a:off x="335947" y="3848999"/>
+            <a:off x="335947" y="4553849"/>
             <a:ext cx="11391065" cy="1655762"/>
           </a:xfrm>
-          <a:prstGeom prst="rect">
-            <a:avLst/>
-          </a:prstGeom>
         </p:spPr>
         <p:txBody>
           <a:bodyPr/>
           <a:lstStyle>
-            <a:lvl1pPr marL="0" indent="0" algn="l">
+            <a:lvl1pPr marL="0" indent="0">
               <a:buNone/>
-              <a:defRPr sz="2400">
+              <a:defRPr>
                 <a:solidFill>
                   <a:srgbClr val="FFFFFF"/>
                 </a:solidFill>
               </a:defRPr>
             </a:lvl1pPr>
-            <a:lvl2pPr marL="457200" indent="0" algn="ctr">
-              <a:buNone/>
-              <a:defRPr sz="2000"/>
-            </a:lvl2pPr>
-            <a:lvl3pPr marL="914400" indent="0" algn="ctr">
-              <a:buNone/>
-              <a:defRPr sz="1800"/>
-            </a:lvl3pPr>
-            <a:lvl4pPr marL="1371600" indent="0" algn="ctr">
-              <a:buNone/>
-              <a:defRPr sz="1600"/>
-            </a:lvl4pPr>
-            <a:lvl5pPr marL="1828800" indent="0" algn="ctr">
-              <a:buNone/>
-              <a:defRPr sz="1600"/>
-            </a:lvl5pPr>
-            <a:lvl6pPr marL="2286000" indent="0" algn="ctr">
-              <a:buNone/>
-              <a:defRPr sz="1600"/>
-            </a:lvl6pPr>
-            <a:lvl7pPr marL="2743200" indent="0" algn="ctr">
-              <a:buNone/>
-              <a:defRPr sz="1600"/>
-            </a:lvl7pPr>
-            <a:lvl8pPr marL="3200400" indent="0" algn="ctr">
-              <a:buNone/>
-              <a:defRPr sz="1600"/>
-            </a:lvl8pPr>
-            <a:lvl9pPr marL="3657600" indent="0" algn="ctr">
-              <a:buNone/>
-              <a:defRPr sz="1600"/>
-            </a:lvl9pPr>
           </a:lstStyle>
           <a:p>
             <a:r>
               <a:rPr lang="en-US"/>
               <a:t>Click to edit Master subtitle style</a:t>
             </a:r>
-            <a:endParaRPr lang="en-CA"/>
+            <a:endParaRPr lang="en-US" dirty="0"/>
           </a:p>
         </p:txBody>
       </p:sp>
     </p:spTree>
     <p:extLst>
       <p:ext uri="{BB962C8B-B14F-4D97-AF65-F5344CB8AC3E}">
-        <p14:creationId xmlns:p14="http://schemas.microsoft.com/office/powerpoint/2010/main" val="1898934703"/>
+        <p14:creationId xmlns:p14="http://schemas.microsoft.com/office/powerpoint/2010/main" val="522683895"/>
       </p:ext>
     </p:extLst>
   </p:cSld>
@@ -394,6 +357,9 @@
           <a:bodyPr/>
           <a:lstStyle>
             <a:lvl1pPr>
+              <a:buClr>
+                <a:schemeClr val="accent2"/>
+              </a:buClr>
               <a:defRPr>
                 <a:solidFill>
                   <a:srgbClr val="444445"/>
@@ -401,6 +367,9 @@
               </a:defRPr>
             </a:lvl1pPr>
             <a:lvl2pPr>
+              <a:buClr>
+                <a:schemeClr val="accent2"/>
+              </a:buClr>
               <a:defRPr>
                 <a:solidFill>
                   <a:srgbClr val="444445"/>
@@ -408,6 +377,9 @@
               </a:defRPr>
             </a:lvl2pPr>
             <a:lvl3pPr>
+              <a:buClr>
+                <a:schemeClr val="accent2"/>
+              </a:buClr>
               <a:defRPr>
                 <a:solidFill>
                   <a:srgbClr val="444445"/>
@@ -415,6 +387,9 @@
               </a:defRPr>
             </a:lvl3pPr>
             <a:lvl4pPr>
+              <a:buClr>
+                <a:schemeClr val="accent2"/>
+              </a:buClr>
               <a:defRPr>
                 <a:solidFill>
                   <a:srgbClr val="444445"/>
@@ -422,6 +397,9 @@
               </a:defRPr>
             </a:lvl4pPr>
             <a:lvl5pPr>
+              <a:buClr>
+                <a:schemeClr val="accent2"/>
+              </a:buClr>
               <a:defRPr>
                 <a:solidFill>
                   <a:srgbClr val="444445"/>
@@ -433,7 +411,7 @@
             <a:pPr lvl="0"/>
             <a:r>
               <a:rPr lang="en-US"/>
-              <a:t>Edit Master text styles</a:t>
+              <a:t>Click to edit Master text styles</a:t>
             </a:r>
           </a:p>
           <a:p>
@@ -463,14 +441,14 @@
               <a:rPr lang="en-US"/>
               <a:t>Fifth level</a:t>
             </a:r>
-            <a:endParaRPr lang="en-CA"/>
+            <a:endParaRPr lang="en-CA" dirty="0"/>
           </a:p>
         </p:txBody>
       </p:sp>
     </p:spTree>
     <p:extLst>
       <p:ext uri="{BB962C8B-B14F-4D97-AF65-F5344CB8AC3E}">
-        <p14:creationId xmlns:p14="http://schemas.microsoft.com/office/powerpoint/2010/main" val="3979519265"/>
+        <p14:creationId xmlns:p14="http://schemas.microsoft.com/office/powerpoint/2010/main" val="2302611618"/>
       </p:ext>
     </p:extLst>
   </p:cSld>
@@ -577,6 +555,9 @@
           <a:bodyPr/>
           <a:lstStyle>
             <a:lvl1pPr>
+              <a:buClr>
+                <a:schemeClr val="accent6"/>
+              </a:buClr>
               <a:defRPr>
                 <a:solidFill>
                   <a:srgbClr val="FFFFFF"/>
@@ -584,6 +565,9 @@
               </a:defRPr>
             </a:lvl1pPr>
             <a:lvl2pPr>
+              <a:buClr>
+                <a:schemeClr val="accent6"/>
+              </a:buClr>
               <a:defRPr>
                 <a:solidFill>
                   <a:srgbClr val="FFFFFF"/>
@@ -591,6 +575,9 @@
               </a:defRPr>
             </a:lvl2pPr>
             <a:lvl3pPr>
+              <a:buClr>
+                <a:schemeClr val="accent6"/>
+              </a:buClr>
               <a:defRPr>
                 <a:solidFill>
                   <a:srgbClr val="FFFFFF"/>
@@ -598,6 +585,9 @@
               </a:defRPr>
             </a:lvl3pPr>
             <a:lvl4pPr>
+              <a:buClr>
+                <a:schemeClr val="accent6"/>
+              </a:buClr>
               <a:defRPr>
                 <a:solidFill>
                   <a:srgbClr val="FFFFFF"/>
@@ -605,6 +595,9 @@
               </a:defRPr>
             </a:lvl4pPr>
             <a:lvl5pPr>
+              <a:buClr>
+                <a:schemeClr val="accent6"/>
+              </a:buClr>
               <a:defRPr>
                 <a:solidFill>
                   <a:srgbClr val="FFFFFF"/>
@@ -616,7 +609,7 @@
             <a:pPr lvl="0"/>
             <a:r>
               <a:rPr lang="en-US"/>
-              <a:t>Edit Master text styles</a:t>
+              <a:t>Click to edit Master text styles</a:t>
             </a:r>
           </a:p>
           <a:p>
@@ -653,7 +646,7 @@
     </p:spTree>
     <p:extLst>
       <p:ext uri="{BB962C8B-B14F-4D97-AF65-F5344CB8AC3E}">
-        <p14:creationId xmlns:p14="http://schemas.microsoft.com/office/powerpoint/2010/main" val="309569737"/>
+        <p14:creationId xmlns:p14="http://schemas.microsoft.com/office/powerpoint/2010/main" val="2641757208"/>
       </p:ext>
     </p:extLst>
   </p:cSld>
@@ -761,7 +754,7 @@
           <a:lstStyle>
             <a:lvl1pPr>
               <a:buClr>
-                <a:schemeClr val="tx1"/>
+                <a:schemeClr val="accent6"/>
               </a:buClr>
               <a:defRPr>
                 <a:solidFill>
@@ -771,7 +764,7 @@
             </a:lvl1pPr>
             <a:lvl2pPr>
               <a:buClr>
-                <a:schemeClr val="tx1"/>
+                <a:schemeClr val="accent6"/>
               </a:buClr>
               <a:defRPr>
                 <a:solidFill>
@@ -781,7 +774,7 @@
             </a:lvl2pPr>
             <a:lvl3pPr>
               <a:buClr>
-                <a:schemeClr val="tx1"/>
+                <a:schemeClr val="accent6"/>
               </a:buClr>
               <a:defRPr>
                 <a:solidFill>
@@ -791,7 +784,7 @@
             </a:lvl3pPr>
             <a:lvl4pPr>
               <a:buClr>
-                <a:schemeClr val="tx1"/>
+                <a:schemeClr val="accent6"/>
               </a:buClr>
               <a:defRPr>
                 <a:solidFill>
@@ -801,7 +794,7 @@
             </a:lvl4pPr>
             <a:lvl5pPr>
               <a:buClr>
-                <a:schemeClr val="tx1"/>
+                <a:schemeClr val="accent6"/>
               </a:buClr>
               <a:defRPr>
                 <a:solidFill>
@@ -814,7 +807,7 @@
             <a:pPr lvl="0"/>
             <a:r>
               <a:rPr lang="en-US"/>
-              <a:t>Edit Master text styles</a:t>
+              <a:t>Click to edit Master text styles</a:t>
             </a:r>
           </a:p>
           <a:p>
@@ -851,7 +844,7 @@
     </p:spTree>
     <p:extLst>
       <p:ext uri="{BB962C8B-B14F-4D97-AF65-F5344CB8AC3E}">
-        <p14:creationId xmlns:p14="http://schemas.microsoft.com/office/powerpoint/2010/main" val="4017234516"/>
+        <p14:creationId xmlns:p14="http://schemas.microsoft.com/office/powerpoint/2010/main" val="3038363736"/>
       </p:ext>
     </p:extLst>
   </p:cSld>
@@ -861,13 +854,13 @@
 </p:sldLayout>
 </file>
 
-<file path=ppt/slideMasters/slideMaster1.xml><?xml version="1.0" encoding="utf-8"?>
-<p:sldMaster xmlns:a="http://schemas.openxmlformats.org/drawingml/2006/main" xmlns:r="http://schemas.openxmlformats.org/officeDocument/2006/relationships" xmlns:p="http://schemas.openxmlformats.org/presentationml/2006/main">
-  <p:cSld>
+<file path=ppt/slideLayouts/slideLayout5.xml><?xml version="1.0" encoding="utf-8"?>
+<p:sldLayout xmlns:a="http://schemas.openxmlformats.org/drawingml/2006/main" xmlns:r="http://schemas.openxmlformats.org/officeDocument/2006/relationships" xmlns:p="http://schemas.openxmlformats.org/presentationml/2006/main" type="obj" preserve="1">
+  <p:cSld name="4_Title and Content">
     <p:bg>
       <p:bgPr>
         <a:blipFill dpi="0" rotWithShape="1">
-          <a:blip r:embed="rId6">
+          <a:blip r:embed="rId2">
             <a:lum/>
           </a:blip>
           <a:srcRect/>
@@ -894,10 +887,10 @@
       </p:grpSpPr>
       <p:sp>
         <p:nvSpPr>
-          <p:cNvPr id="2" name="Title Placeholder 1">
-            <a:extLst>
-              <a:ext uri="{FF2B5EF4-FFF2-40B4-BE49-F238E27FC236}">
-                <a16:creationId xmlns:a16="http://schemas.microsoft.com/office/drawing/2014/main" id="{AD40C5A8-72D0-4B08-8FDA-49B8D1F97D4C}"/>
+          <p:cNvPr id="2" name="Title 1">
+            <a:extLst>
+              <a:ext uri="{FF2B5EF4-FFF2-40B4-BE49-F238E27FC236}">
+                <a16:creationId xmlns:a16="http://schemas.microsoft.com/office/drawing/2014/main" id="{0ECBFABF-0FF7-46A7-A3E7-B6C1EFC20E36}"/>
               </a:ext>
             </a:extLst>
           </p:cNvPr>
@@ -908,6 +901,600 @@
             <p:ph type="title"/>
           </p:nvPr>
         </p:nvSpPr>
+        <p:spPr/>
+        <p:txBody>
+          <a:bodyPr/>
+          <a:lstStyle>
+            <a:lvl1pPr>
+              <a:defRPr>
+                <a:solidFill>
+                  <a:srgbClr val="171717"/>
+                </a:solidFill>
+              </a:defRPr>
+            </a:lvl1pPr>
+          </a:lstStyle>
+          <a:p>
+            <a:r>
+              <a:rPr lang="en-US"/>
+              <a:t>Click to edit Master title style</a:t>
+            </a:r>
+            <a:endParaRPr lang="en-CA"/>
+          </a:p>
+        </p:txBody>
+      </p:sp>
+      <p:sp>
+        <p:nvSpPr>
+          <p:cNvPr id="3" name="Content Placeholder 2">
+            <a:extLst>
+              <a:ext uri="{FF2B5EF4-FFF2-40B4-BE49-F238E27FC236}">
+                <a16:creationId xmlns:a16="http://schemas.microsoft.com/office/drawing/2014/main" id="{85D1B3E0-28C0-49B4-B789-CFB199546EE9}"/>
+              </a:ext>
+            </a:extLst>
+          </p:cNvPr>
+          <p:cNvSpPr>
+            <a:spLocks noGrp="1"/>
+          </p:cNvSpPr>
+          <p:nvPr>
+            <p:ph idx="1"/>
+          </p:nvPr>
+        </p:nvSpPr>
+        <p:spPr>
+          <a:xfrm>
+            <a:off x="838200" y="1825624"/>
+            <a:ext cx="10515600" cy="4835479"/>
+          </a:xfrm>
+          <a:prstGeom prst="rect">
+            <a:avLst/>
+          </a:prstGeom>
+        </p:spPr>
+        <p:txBody>
+          <a:bodyPr/>
+          <a:lstStyle>
+            <a:lvl1pPr>
+              <a:buClr>
+                <a:schemeClr val="accent2"/>
+              </a:buClr>
+              <a:defRPr>
+                <a:solidFill>
+                  <a:srgbClr val="171717"/>
+                </a:solidFill>
+              </a:defRPr>
+            </a:lvl1pPr>
+            <a:lvl2pPr>
+              <a:buClr>
+                <a:schemeClr val="accent2"/>
+              </a:buClr>
+              <a:defRPr>
+                <a:solidFill>
+                  <a:srgbClr val="171717"/>
+                </a:solidFill>
+              </a:defRPr>
+            </a:lvl2pPr>
+            <a:lvl3pPr>
+              <a:buClr>
+                <a:schemeClr val="accent2"/>
+              </a:buClr>
+              <a:defRPr>
+                <a:solidFill>
+                  <a:srgbClr val="171717"/>
+                </a:solidFill>
+              </a:defRPr>
+            </a:lvl3pPr>
+            <a:lvl4pPr>
+              <a:buClr>
+                <a:schemeClr val="accent2"/>
+              </a:buClr>
+              <a:defRPr>
+                <a:solidFill>
+                  <a:srgbClr val="171717"/>
+                </a:solidFill>
+              </a:defRPr>
+            </a:lvl4pPr>
+            <a:lvl5pPr>
+              <a:buClr>
+                <a:schemeClr val="accent2"/>
+              </a:buClr>
+              <a:defRPr>
+                <a:solidFill>
+                  <a:srgbClr val="171717"/>
+                </a:solidFill>
+              </a:defRPr>
+            </a:lvl5pPr>
+          </a:lstStyle>
+          <a:p>
+            <a:pPr lvl="0"/>
+            <a:r>
+              <a:rPr lang="en-US"/>
+              <a:t>Click to edit Master text styles</a:t>
+            </a:r>
+          </a:p>
+          <a:p>
+            <a:pPr lvl="1"/>
+            <a:r>
+              <a:rPr lang="en-US"/>
+              <a:t>Second level</a:t>
+            </a:r>
+          </a:p>
+          <a:p>
+            <a:pPr lvl="2"/>
+            <a:r>
+              <a:rPr lang="en-US"/>
+              <a:t>Third level</a:t>
+            </a:r>
+          </a:p>
+          <a:p>
+            <a:pPr lvl="3"/>
+            <a:r>
+              <a:rPr lang="en-US"/>
+              <a:t>Fourth level</a:t>
+            </a:r>
+          </a:p>
+          <a:p>
+            <a:pPr lvl="4"/>
+            <a:r>
+              <a:rPr lang="en-US"/>
+              <a:t>Fifth level</a:t>
+            </a:r>
+            <a:endParaRPr lang="en-CA" dirty="0"/>
+          </a:p>
+        </p:txBody>
+      </p:sp>
+    </p:spTree>
+    <p:extLst>
+      <p:ext uri="{BB962C8B-B14F-4D97-AF65-F5344CB8AC3E}">
+        <p14:creationId xmlns:p14="http://schemas.microsoft.com/office/powerpoint/2010/main" val="95528726"/>
+      </p:ext>
+    </p:extLst>
+  </p:cSld>
+  <p:clrMapOvr>
+    <a:masterClrMapping/>
+  </p:clrMapOvr>
+</p:sldLayout>
+</file>
+
+<file path=ppt/slideLayouts/slideLayout6.xml><?xml version="1.0" encoding="utf-8"?>
+<p:sldLayout xmlns:a="http://schemas.openxmlformats.org/drawingml/2006/main" xmlns:r="http://schemas.openxmlformats.org/officeDocument/2006/relationships" xmlns:p="http://schemas.openxmlformats.org/presentationml/2006/main" type="obj" preserve="1">
+  <p:cSld name="5_Title and Content">
+    <p:bg>
+      <p:bgPr>
+        <a:blipFill dpi="0" rotWithShape="1">
+          <a:blip r:embed="rId2">
+            <a:lum/>
+          </a:blip>
+          <a:srcRect/>
+          <a:stretch>
+            <a:fillRect/>
+          </a:stretch>
+        </a:blipFill>
+        <a:effectLst/>
+      </p:bgPr>
+    </p:bg>
+    <p:spTree>
+      <p:nvGrpSpPr>
+        <p:cNvPr id="1" name=""/>
+        <p:cNvGrpSpPr/>
+        <p:nvPr/>
+      </p:nvGrpSpPr>
+      <p:grpSpPr>
+        <a:xfrm>
+          <a:off x="0" y="0"/>
+          <a:ext cx="0" cy="0"/>
+          <a:chOff x="0" y="0"/>
+          <a:chExt cx="0" cy="0"/>
+        </a:xfrm>
+      </p:grpSpPr>
+      <p:sp>
+        <p:nvSpPr>
+          <p:cNvPr id="2" name="Title 1">
+            <a:extLst>
+              <a:ext uri="{FF2B5EF4-FFF2-40B4-BE49-F238E27FC236}">
+                <a16:creationId xmlns:a16="http://schemas.microsoft.com/office/drawing/2014/main" id="{0ECBFABF-0FF7-46A7-A3E7-B6C1EFC20E36}"/>
+              </a:ext>
+            </a:extLst>
+          </p:cNvPr>
+          <p:cNvSpPr>
+            <a:spLocks noGrp="1"/>
+          </p:cNvSpPr>
+          <p:nvPr>
+            <p:ph type="title"/>
+          </p:nvPr>
+        </p:nvSpPr>
+        <p:spPr/>
+        <p:txBody>
+          <a:bodyPr/>
+          <a:lstStyle>
+            <a:lvl1pPr>
+              <a:defRPr>
+                <a:solidFill>
+                  <a:schemeClr val="tx1"/>
+                </a:solidFill>
+              </a:defRPr>
+            </a:lvl1pPr>
+          </a:lstStyle>
+          <a:p>
+            <a:r>
+              <a:rPr lang="en-US"/>
+              <a:t>Click to edit Master title style</a:t>
+            </a:r>
+            <a:endParaRPr lang="en-CA"/>
+          </a:p>
+        </p:txBody>
+      </p:sp>
+      <p:sp>
+        <p:nvSpPr>
+          <p:cNvPr id="3" name="Content Placeholder 2">
+            <a:extLst>
+              <a:ext uri="{FF2B5EF4-FFF2-40B4-BE49-F238E27FC236}">
+                <a16:creationId xmlns:a16="http://schemas.microsoft.com/office/drawing/2014/main" id="{85D1B3E0-28C0-49B4-B789-CFB199546EE9}"/>
+              </a:ext>
+            </a:extLst>
+          </p:cNvPr>
+          <p:cNvSpPr>
+            <a:spLocks noGrp="1"/>
+          </p:cNvSpPr>
+          <p:nvPr>
+            <p:ph idx="1"/>
+          </p:nvPr>
+        </p:nvSpPr>
+        <p:spPr>
+          <a:xfrm>
+            <a:off x="838200" y="1825624"/>
+            <a:ext cx="10515600" cy="4835479"/>
+          </a:xfrm>
+          <a:prstGeom prst="rect">
+            <a:avLst/>
+          </a:prstGeom>
+        </p:spPr>
+        <p:txBody>
+          <a:bodyPr/>
+          <a:lstStyle>
+            <a:lvl1pPr>
+              <a:buClr>
+                <a:schemeClr val="accent2"/>
+              </a:buClr>
+              <a:defRPr>
+                <a:solidFill>
+                  <a:schemeClr val="tx1"/>
+                </a:solidFill>
+              </a:defRPr>
+            </a:lvl1pPr>
+            <a:lvl2pPr>
+              <a:buClr>
+                <a:schemeClr val="accent2"/>
+              </a:buClr>
+              <a:defRPr>
+                <a:solidFill>
+                  <a:schemeClr val="tx1"/>
+                </a:solidFill>
+              </a:defRPr>
+            </a:lvl2pPr>
+            <a:lvl3pPr>
+              <a:buClr>
+                <a:schemeClr val="accent2"/>
+              </a:buClr>
+              <a:defRPr>
+                <a:solidFill>
+                  <a:schemeClr val="tx1"/>
+                </a:solidFill>
+              </a:defRPr>
+            </a:lvl3pPr>
+            <a:lvl4pPr>
+              <a:buClr>
+                <a:schemeClr val="accent2"/>
+              </a:buClr>
+              <a:defRPr>
+                <a:solidFill>
+                  <a:schemeClr val="tx1"/>
+                </a:solidFill>
+              </a:defRPr>
+            </a:lvl4pPr>
+            <a:lvl5pPr>
+              <a:buClr>
+                <a:schemeClr val="accent2"/>
+              </a:buClr>
+              <a:defRPr>
+                <a:solidFill>
+                  <a:schemeClr val="tx1"/>
+                </a:solidFill>
+              </a:defRPr>
+            </a:lvl5pPr>
+          </a:lstStyle>
+          <a:p>
+            <a:pPr lvl="0"/>
+            <a:r>
+              <a:rPr lang="en-US"/>
+              <a:t>Click to edit Master text styles</a:t>
+            </a:r>
+          </a:p>
+          <a:p>
+            <a:pPr lvl="1"/>
+            <a:r>
+              <a:rPr lang="en-US"/>
+              <a:t>Second level</a:t>
+            </a:r>
+          </a:p>
+          <a:p>
+            <a:pPr lvl="2"/>
+            <a:r>
+              <a:rPr lang="en-US"/>
+              <a:t>Third level</a:t>
+            </a:r>
+          </a:p>
+          <a:p>
+            <a:pPr lvl="3"/>
+            <a:r>
+              <a:rPr lang="en-US"/>
+              <a:t>Fourth level</a:t>
+            </a:r>
+          </a:p>
+          <a:p>
+            <a:pPr lvl="4"/>
+            <a:r>
+              <a:rPr lang="en-US"/>
+              <a:t>Fifth level</a:t>
+            </a:r>
+            <a:endParaRPr lang="en-CA" dirty="0"/>
+          </a:p>
+        </p:txBody>
+      </p:sp>
+    </p:spTree>
+    <p:extLst>
+      <p:ext uri="{BB962C8B-B14F-4D97-AF65-F5344CB8AC3E}">
+        <p14:creationId xmlns:p14="http://schemas.microsoft.com/office/powerpoint/2010/main" val="3382961"/>
+      </p:ext>
+    </p:extLst>
+  </p:cSld>
+  <p:clrMapOvr>
+    <a:masterClrMapping/>
+  </p:clrMapOvr>
+</p:sldLayout>
+</file>
+
+<file path=ppt/slideLayouts/slideLayout7.xml><?xml version="1.0" encoding="utf-8"?>
+<p:sldLayout xmlns:a="http://schemas.openxmlformats.org/drawingml/2006/main" xmlns:r="http://schemas.openxmlformats.org/officeDocument/2006/relationships" xmlns:p="http://schemas.openxmlformats.org/presentationml/2006/main" type="obj" preserve="1">
+  <p:cSld name="6_Title and Content">
+    <p:bg>
+      <p:bgPr>
+        <a:blipFill dpi="0" rotWithShape="1">
+          <a:blip r:embed="rId2">
+            <a:lum/>
+          </a:blip>
+          <a:srcRect/>
+          <a:stretch>
+            <a:fillRect/>
+          </a:stretch>
+        </a:blipFill>
+        <a:effectLst/>
+      </p:bgPr>
+    </p:bg>
+    <p:spTree>
+      <p:nvGrpSpPr>
+        <p:cNvPr id="1" name=""/>
+        <p:cNvGrpSpPr/>
+        <p:nvPr/>
+      </p:nvGrpSpPr>
+      <p:grpSpPr>
+        <a:xfrm>
+          <a:off x="0" y="0"/>
+          <a:ext cx="0" cy="0"/>
+          <a:chOff x="0" y="0"/>
+          <a:chExt cx="0" cy="0"/>
+        </a:xfrm>
+      </p:grpSpPr>
+      <p:sp>
+        <p:nvSpPr>
+          <p:cNvPr id="2" name="Title 1">
+            <a:extLst>
+              <a:ext uri="{FF2B5EF4-FFF2-40B4-BE49-F238E27FC236}">
+                <a16:creationId xmlns:a16="http://schemas.microsoft.com/office/drawing/2014/main" id="{0ECBFABF-0FF7-46A7-A3E7-B6C1EFC20E36}"/>
+              </a:ext>
+            </a:extLst>
+          </p:cNvPr>
+          <p:cNvSpPr>
+            <a:spLocks noGrp="1"/>
+          </p:cNvSpPr>
+          <p:nvPr>
+            <p:ph type="title"/>
+          </p:nvPr>
+        </p:nvSpPr>
+        <p:spPr/>
+        <p:txBody>
+          <a:bodyPr/>
+          <a:lstStyle>
+            <a:lvl1pPr>
+              <a:defRPr>
+                <a:solidFill>
+                  <a:srgbClr val="FFFFFF"/>
+                </a:solidFill>
+              </a:defRPr>
+            </a:lvl1pPr>
+          </a:lstStyle>
+          <a:p>
+            <a:r>
+              <a:rPr lang="en-US"/>
+              <a:t>Click to edit Master title style</a:t>
+            </a:r>
+            <a:endParaRPr lang="en-CA"/>
+          </a:p>
+        </p:txBody>
+      </p:sp>
+      <p:sp>
+        <p:nvSpPr>
+          <p:cNvPr id="3" name="Content Placeholder 2">
+            <a:extLst>
+              <a:ext uri="{FF2B5EF4-FFF2-40B4-BE49-F238E27FC236}">
+                <a16:creationId xmlns:a16="http://schemas.microsoft.com/office/drawing/2014/main" id="{85D1B3E0-28C0-49B4-B789-CFB199546EE9}"/>
+              </a:ext>
+            </a:extLst>
+          </p:cNvPr>
+          <p:cNvSpPr>
+            <a:spLocks noGrp="1"/>
+          </p:cNvSpPr>
+          <p:nvPr>
+            <p:ph idx="1"/>
+          </p:nvPr>
+        </p:nvSpPr>
+        <p:spPr>
+          <a:xfrm>
+            <a:off x="838200" y="1825624"/>
+            <a:ext cx="10515600" cy="4835479"/>
+          </a:xfrm>
+          <a:prstGeom prst="rect">
+            <a:avLst/>
+          </a:prstGeom>
+        </p:spPr>
+        <p:txBody>
+          <a:bodyPr/>
+          <a:lstStyle>
+            <a:lvl1pPr>
+              <a:buClr>
+                <a:schemeClr val="accent2"/>
+              </a:buClr>
+              <a:defRPr>
+                <a:solidFill>
+                  <a:srgbClr val="FFFFFF"/>
+                </a:solidFill>
+              </a:defRPr>
+            </a:lvl1pPr>
+            <a:lvl2pPr>
+              <a:buClr>
+                <a:schemeClr val="accent2"/>
+              </a:buClr>
+              <a:defRPr>
+                <a:solidFill>
+                  <a:srgbClr val="FFFFFF"/>
+                </a:solidFill>
+              </a:defRPr>
+            </a:lvl2pPr>
+            <a:lvl3pPr>
+              <a:buClr>
+                <a:schemeClr val="accent2"/>
+              </a:buClr>
+              <a:defRPr>
+                <a:solidFill>
+                  <a:srgbClr val="FFFFFF"/>
+                </a:solidFill>
+              </a:defRPr>
+            </a:lvl3pPr>
+            <a:lvl4pPr>
+              <a:buClr>
+                <a:schemeClr val="accent2"/>
+              </a:buClr>
+              <a:defRPr>
+                <a:solidFill>
+                  <a:srgbClr val="FFFFFF"/>
+                </a:solidFill>
+              </a:defRPr>
+            </a:lvl4pPr>
+            <a:lvl5pPr>
+              <a:buClr>
+                <a:schemeClr val="accent2"/>
+              </a:buClr>
+              <a:defRPr>
+                <a:solidFill>
+                  <a:srgbClr val="FFFFFF"/>
+                </a:solidFill>
+              </a:defRPr>
+            </a:lvl5pPr>
+          </a:lstStyle>
+          <a:p>
+            <a:pPr lvl="0"/>
+            <a:r>
+              <a:rPr lang="en-US"/>
+              <a:t>Click to edit Master text styles</a:t>
+            </a:r>
+          </a:p>
+          <a:p>
+            <a:pPr lvl="1"/>
+            <a:r>
+              <a:rPr lang="en-US"/>
+              <a:t>Second level</a:t>
+            </a:r>
+          </a:p>
+          <a:p>
+            <a:pPr lvl="2"/>
+            <a:r>
+              <a:rPr lang="en-US"/>
+              <a:t>Third level</a:t>
+            </a:r>
+          </a:p>
+          <a:p>
+            <a:pPr lvl="3"/>
+            <a:r>
+              <a:rPr lang="en-US"/>
+              <a:t>Fourth level</a:t>
+            </a:r>
+          </a:p>
+          <a:p>
+            <a:pPr lvl="4"/>
+            <a:r>
+              <a:rPr lang="en-US"/>
+              <a:t>Fifth level</a:t>
+            </a:r>
+            <a:endParaRPr lang="en-CA" dirty="0"/>
+          </a:p>
+        </p:txBody>
+      </p:sp>
+    </p:spTree>
+    <p:extLst>
+      <p:ext uri="{BB962C8B-B14F-4D97-AF65-F5344CB8AC3E}">
+        <p14:creationId xmlns:p14="http://schemas.microsoft.com/office/powerpoint/2010/main" val="1517633301"/>
+      </p:ext>
+    </p:extLst>
+  </p:cSld>
+  <p:clrMapOvr>
+    <a:masterClrMapping/>
+  </p:clrMapOvr>
+</p:sldLayout>
+</file>
+
+<file path=ppt/slideMasters/slideMaster1.xml><?xml version="1.0" encoding="utf-8"?>
+<p:sldMaster xmlns:a="http://schemas.openxmlformats.org/drawingml/2006/main" xmlns:r="http://schemas.openxmlformats.org/officeDocument/2006/relationships" xmlns:p="http://schemas.openxmlformats.org/presentationml/2006/main">
+  <p:cSld>
+    <p:bg>
+      <p:bgPr>
+        <a:blipFill dpi="0" rotWithShape="1">
+          <a:blip r:embed="rId9">
+            <a:lum/>
+          </a:blip>
+          <a:srcRect/>
+          <a:stretch>
+            <a:fillRect/>
+          </a:stretch>
+        </a:blipFill>
+        <a:effectLst/>
+      </p:bgPr>
+    </p:bg>
+    <p:spTree>
+      <p:nvGrpSpPr>
+        <p:cNvPr id="1" name=""/>
+        <p:cNvGrpSpPr/>
+        <p:nvPr/>
+      </p:nvGrpSpPr>
+      <p:grpSpPr>
+        <a:xfrm>
+          <a:off x="0" y="0"/>
+          <a:ext cx="0" cy="0"/>
+          <a:chOff x="0" y="0"/>
+          <a:chExt cx="0" cy="0"/>
+        </a:xfrm>
+      </p:grpSpPr>
+      <p:sp>
+        <p:nvSpPr>
+          <p:cNvPr id="2" name="Title Placeholder 1">
+            <a:extLst>
+              <a:ext uri="{FF2B5EF4-FFF2-40B4-BE49-F238E27FC236}">
+                <a16:creationId xmlns:a16="http://schemas.microsoft.com/office/drawing/2014/main" id="{AD40C5A8-72D0-4B08-8FDA-49B8D1F97D4C}"/>
+              </a:ext>
+            </a:extLst>
+          </p:cNvPr>
+          <p:cNvSpPr>
+            <a:spLocks noGrp="1"/>
+          </p:cNvSpPr>
+          <p:nvPr>
+            <p:ph type="title"/>
+          </p:nvPr>
+        </p:nvSpPr>
         <p:spPr>
           <a:xfrm>
             <a:off x="838200" y="727514"/>
@@ -965,7 +1552,7 @@
             <a:pPr lvl="0"/>
             <a:r>
               <a:rPr lang="en-US"/>
-              <a:t>Edit Master text styles</a:t>
+              <a:t>Click to edit Master text styles</a:t>
             </a:r>
           </a:p>
           <a:p>
@@ -1002,16 +1589,19 @@
     </p:spTree>
     <p:extLst>
       <p:ext uri="{BB962C8B-B14F-4D97-AF65-F5344CB8AC3E}">
-        <p14:creationId xmlns:p14="http://schemas.microsoft.com/office/powerpoint/2010/main" val="2325685743"/>
+        <p14:creationId xmlns:p14="http://schemas.microsoft.com/office/powerpoint/2010/main" val="3713031674"/>
       </p:ext>
     </p:extLst>
   </p:cSld>
   <p:clrMap bg1="lt1" tx1="dk1" bg2="lt2" tx2="dk2" accent1="accent1" accent2="accent2" accent3="accent3" accent4="accent4" accent5="accent5" accent6="accent6" hlink="hlink" folHlink="folHlink"/>
   <p:sldLayoutIdLst>
-    <p:sldLayoutId id="2147483666" r:id="rId1"/>
-    <p:sldLayoutId id="2147483667" r:id="rId2"/>
-    <p:sldLayoutId id="2147483668" r:id="rId3"/>
-    <p:sldLayoutId id="2147483669" r:id="rId4"/>
+    <p:sldLayoutId id="2147483671" r:id="rId1"/>
+    <p:sldLayoutId id="2147483672" r:id="rId2"/>
+    <p:sldLayoutId id="2147483673" r:id="rId3"/>
+    <p:sldLayoutId id="2147483674" r:id="rId4"/>
+    <p:sldLayoutId id="2147483675" r:id="rId5"/>
+    <p:sldLayoutId id="2147483676" r:id="rId6"/>
+    <p:sldLayoutId id="2147483677" r:id="rId7"/>
   </p:sldLayoutIdLst>
   <p:txStyles>
     <p:titleStyle>
@@ -1508,12 +2098,7 @@
             <p:ph type="title"/>
           </p:nvPr>
         </p:nvSpPr>
-        <p:spPr>
-          <a:xfrm>
-            <a:off x="838200" y="727514"/>
-            <a:ext cx="10515600" cy="656148"/>
-          </a:xfrm>
-        </p:spPr>
+        <p:spPr/>
         <p:txBody>
           <a:bodyPr>
             <a:normAutofit fontScale="90000"/>
@@ -1844,12 +2429,7 @@
             <p:ph type="title"/>
           </p:nvPr>
         </p:nvSpPr>
-        <p:spPr>
-          <a:xfrm>
-            <a:off x="838200" y="727514"/>
-            <a:ext cx="10515600" cy="656148"/>
-          </a:xfrm>
-        </p:spPr>
+        <p:spPr/>
         <p:txBody>
           <a:bodyPr>
             <a:normAutofit fontScale="90000"/>
@@ -2187,12 +2767,7 @@
             <p:ph type="title"/>
           </p:nvPr>
         </p:nvSpPr>
-        <p:spPr>
-          <a:xfrm>
-            <a:off x="838200" y="727514"/>
-            <a:ext cx="10515600" cy="656148"/>
-          </a:xfrm>
-        </p:spPr>
+        <p:spPr/>
         <p:txBody>
           <a:bodyPr>
             <a:normAutofit fontScale="90000"/>
@@ -2530,12 +3105,7 @@
             <p:ph type="title"/>
           </p:nvPr>
         </p:nvSpPr>
-        <p:spPr>
-          <a:xfrm>
-            <a:off x="838200" y="727514"/>
-            <a:ext cx="10515600" cy="656148"/>
-          </a:xfrm>
-        </p:spPr>
+        <p:spPr/>
         <p:txBody>
           <a:bodyPr>
             <a:normAutofit fontScale="90000"/>
@@ -2981,12 +3551,7 @@
             <p:ph type="title"/>
           </p:nvPr>
         </p:nvSpPr>
-        <p:spPr>
-          <a:xfrm>
-            <a:off x="838200" y="727514"/>
-            <a:ext cx="10515600" cy="656148"/>
-          </a:xfrm>
-        </p:spPr>
+        <p:spPr/>
         <p:txBody>
           <a:bodyPr>
             <a:normAutofit fontScale="90000"/>
@@ -3258,12 +3823,7 @@
             <p:ph type="title"/>
           </p:nvPr>
         </p:nvSpPr>
-        <p:spPr>
-          <a:xfrm>
-            <a:off x="838200" y="727514"/>
-            <a:ext cx="10515600" cy="656148"/>
-          </a:xfrm>
-        </p:spPr>
+        <p:spPr/>
         <p:txBody>
           <a:bodyPr>
             <a:normAutofit fontScale="90000"/>
@@ -3709,12 +4269,7 @@
             <p:ph type="title"/>
           </p:nvPr>
         </p:nvSpPr>
-        <p:spPr>
-          <a:xfrm>
-            <a:off x="838200" y="727514"/>
-            <a:ext cx="10515600" cy="656148"/>
-          </a:xfrm>
-        </p:spPr>
+        <p:spPr/>
         <p:txBody>
           <a:bodyPr>
             <a:normAutofit fontScale="90000"/>
@@ -3986,12 +4541,7 @@
             <p:ph type="title"/>
           </p:nvPr>
         </p:nvSpPr>
-        <p:spPr>
-          <a:xfrm>
-            <a:off x="838200" y="727514"/>
-            <a:ext cx="10515600" cy="656148"/>
-          </a:xfrm>
-        </p:spPr>
+        <p:spPr/>
         <p:txBody>
           <a:bodyPr>
             <a:normAutofit fontScale="90000"/>
@@ -4349,12 +4899,7 @@
             <p:ph type="title"/>
           </p:nvPr>
         </p:nvSpPr>
-        <p:spPr>
-          <a:xfrm>
-            <a:off x="838200" y="727514"/>
-            <a:ext cx="10515600" cy="656148"/>
-          </a:xfrm>
-        </p:spPr>
+        <p:spPr/>
         <p:txBody>
           <a:bodyPr>
             <a:normAutofit fontScale="90000"/>
@@ -5054,25 +5599,6 @@
             </a:r>
           </a:p>
           <a:p>
-            <a:pPr lvl="1"/>
-            <a:r>
-              <a:rPr lang="en-US" dirty="0"/>
-              <a:t>Reading</a:t>
-            </a:r>
-            <a:r>
-              <a:rPr lang="en-US" dirty="0">
-                <a:solidFill>
-                  <a:schemeClr val="accent1"/>
-                </a:solidFill>
-              </a:rPr>
-              <a:t>:</a:t>
-            </a:r>
-            <a:r>
-              <a:rPr lang="en-US" dirty="0"/>
-              <a:t> Chapter 9</a:t>
-            </a:r>
-          </a:p>
-          <a:p>
             <a:r>
               <a:rPr lang="en-US" b="1" dirty="0"/>
               <a:t>Lecture </a:t>
@@ -5091,13 +5617,6 @@
             <a:r>
               <a:rPr lang="en-US" b="1" dirty="0"/>
               <a:t>more loops</a:t>
-            </a:r>
-          </a:p>
-          <a:p>
-            <a:pPr lvl="1"/>
-            <a:r>
-              <a:rPr lang="en-US" b="1" dirty="0"/>
-              <a:t>Reading: Chapter 9</a:t>
             </a:r>
           </a:p>
           <a:p>
@@ -8975,12 +9494,7 @@
             <p:ph type="title"/>
           </p:nvPr>
         </p:nvSpPr>
-        <p:spPr>
-          <a:xfrm>
-            <a:off x="838200" y="727514"/>
-            <a:ext cx="10515600" cy="656148"/>
-          </a:xfrm>
-        </p:spPr>
+        <p:spPr/>
         <p:txBody>
           <a:bodyPr>
             <a:normAutofit fontScale="90000"/>
@@ -9370,9 +9884,9 @@
 </file>
 
 <file path=ppt/theme/theme1.xml><?xml version="1.0" encoding="utf-8"?>
-<a:theme xmlns:a="http://schemas.openxmlformats.org/drawingml/2006/main" name="APS106_PPTX_Theme">
+<a:theme xmlns:a="http://schemas.openxmlformats.org/drawingml/2006/main" name="APS106_Theme">
   <a:themeElements>
-    <a:clrScheme name="Custom 5">
+    <a:clrScheme name="Custom 2">
       <a:dk1>
         <a:srgbClr val="444445"/>
       </a:dk1>
@@ -9386,13 +9900,13 @@
         <a:srgbClr val="3D464D"/>
       </a:lt2>
       <a:accent1>
-        <a:srgbClr val="017EE5"/>
+        <a:srgbClr val="0061FF"/>
       </a:accent1>
       <a:accent2>
-        <a:srgbClr val="017EE5"/>
+        <a:srgbClr val="0061FF"/>
       </a:accent2>
       <a:accent3>
-        <a:srgbClr val="017EE5"/>
+        <a:srgbClr val="0061FF"/>
       </a:accent3>
       <a:accent4>
         <a:srgbClr val="7B8994"/>
@@ -9401,7 +9915,7 @@
         <a:srgbClr val="7B8994"/>
       </a:accent5>
       <a:accent6>
-        <a:srgbClr val="FF9933"/>
+        <a:srgbClr val="F7B41A"/>
       </a:accent6>
       <a:hlink>
         <a:srgbClr val="3D464D"/>
@@ -9564,7 +10078,7 @@
   <a:extraClrSchemeLst/>
   <a:extLst>
     <a:ext uri="{05A4C25C-085E-4340-85A3-A5531E510DB2}">
-      <thm15:themeFamily xmlns:thm15="http://schemas.microsoft.com/office/thememl/2012/main" name="APS106_PPTX_Theme" id="{D71ABBE9-7E6D-4E30-BD8F-2EB61EB32A2D}" vid="{056030BA-02C6-4208-ACCE-F1B550CC0AA4}"/>
+      <thm15:themeFamily xmlns:thm15="http://schemas.microsoft.com/office/thememl/2012/main" name="APS106_Theme" id="{3BEEB87C-8A6C-443F-995D-4A4893CCEBD8}" vid="{9B7A7CDB-8752-4A8C-8C1A-92E8A921146E}"/>
     </a:ext>
   </a:extLst>
 </a:theme>

--- a/lectures/week4/lecture2/slides/week4_lecture2.pptx
+++ b/lectures/week4/lecture2/slides/week4_lecture2.pptx
@@ -2052,6 +2052,193 @@
           </a:p>
         </p:txBody>
       </p:sp>
+      <p:sp>
+        <p:nvSpPr>
+          <p:cNvPr id="4" name="TextBox 3">
+            <a:extLst>
+              <a:ext uri="{FF2B5EF4-FFF2-40B4-BE49-F238E27FC236}">
+                <a16:creationId xmlns:a16="http://schemas.microsoft.com/office/drawing/2014/main" id="{BD441628-1639-56F1-28F9-18ADBFAF951B}"/>
+              </a:ext>
+            </a:extLst>
+          </p:cNvPr>
+          <p:cNvSpPr txBox="1"/>
+          <p:nvPr/>
+        </p:nvSpPr>
+        <p:spPr>
+          <a:xfrm>
+            <a:off x="335947" y="5102715"/>
+            <a:ext cx="6619392" cy="1569660"/>
+          </a:xfrm>
+          <a:prstGeom prst="rect">
+            <a:avLst/>
+          </a:prstGeom>
+          <a:noFill/>
+        </p:spPr>
+        <p:txBody>
+          <a:bodyPr wrap="square" rtlCol="0">
+            <a:spAutoFit/>
+          </a:bodyPr>
+          <a:lstStyle/>
+          <a:p>
+            <a:r>
+              <a:rPr lang="en-US" sz="1600" b="1" dirty="0">
+                <a:solidFill>
+                  <a:srgbClr val="CC99FF"/>
+                </a:solidFill>
+              </a:rPr>
+              <a:t>Upcoming</a:t>
+            </a:r>
+          </a:p>
+          <a:p>
+            <a:pPr marL="285750" indent="-285750">
+              <a:buClr>
+                <a:srgbClr val="CC99FF"/>
+              </a:buClr>
+              <a:buFont typeface="Wingdings" panose="05000000000000000000" pitchFamily="2" charset="2"/>
+              <a:buChar char="§"/>
+            </a:pPr>
+            <a:r>
+              <a:rPr lang="en-US" sz="1600" dirty="0">
+                <a:solidFill>
+                  <a:srgbClr val="66FF99"/>
+                </a:solidFill>
+              </a:rPr>
+              <a:t>Lab 2 Due 11:59 pm Friday</a:t>
+            </a:r>
+            <a:r>
+              <a:rPr lang="en-US" sz="1600" dirty="0">
+                <a:solidFill>
+                  <a:srgbClr val="CC99FF"/>
+                </a:solidFill>
+              </a:rPr>
+              <a:t>.</a:t>
+            </a:r>
+            <a:endParaRPr lang="en-US" sz="1600" dirty="0">
+              <a:solidFill>
+                <a:srgbClr val="66FF99"/>
+              </a:solidFill>
+            </a:endParaRPr>
+          </a:p>
+          <a:p>
+            <a:pPr marL="285750" indent="-285750">
+              <a:buClr>
+                <a:srgbClr val="CC99FF"/>
+              </a:buClr>
+              <a:buFont typeface="Wingdings" panose="05000000000000000000" pitchFamily="2" charset="2"/>
+              <a:buChar char="§"/>
+            </a:pPr>
+            <a:r>
+              <a:rPr lang="en-US" sz="1600" dirty="0">
+                <a:solidFill>
+                  <a:srgbClr val="66FF99"/>
+                </a:solidFill>
+              </a:rPr>
+              <a:t>No new lab released this Thursday</a:t>
+            </a:r>
+            <a:r>
+              <a:rPr lang="en-US" sz="1600" dirty="0">
+                <a:solidFill>
+                  <a:srgbClr val="CC99FF"/>
+                </a:solidFill>
+              </a:rPr>
+              <a:t>.</a:t>
+            </a:r>
+            <a:endParaRPr lang="en-US" sz="1600" dirty="0">
+              <a:solidFill>
+                <a:srgbClr val="66FF99"/>
+              </a:solidFill>
+            </a:endParaRPr>
+          </a:p>
+          <a:p>
+            <a:pPr marL="285750" indent="-285750">
+              <a:buClr>
+                <a:srgbClr val="CC99FF"/>
+              </a:buClr>
+              <a:buFont typeface="Wingdings" panose="05000000000000000000" pitchFamily="2" charset="2"/>
+              <a:buChar char="§"/>
+            </a:pPr>
+            <a:r>
+              <a:rPr lang="en-US" sz="1600" dirty="0">
+                <a:solidFill>
+                  <a:srgbClr val="66FF99"/>
+                </a:solidFill>
+              </a:rPr>
+              <a:t>Reflection 4 Released Friday 6:00 pm</a:t>
+            </a:r>
+            <a:r>
+              <a:rPr lang="en-US" sz="1600" dirty="0">
+                <a:solidFill>
+                  <a:srgbClr val="CC99FF"/>
+                </a:solidFill>
+              </a:rPr>
+              <a:t>.</a:t>
+            </a:r>
+            <a:endParaRPr lang="en-US" sz="1600" dirty="0">
+              <a:solidFill>
+                <a:srgbClr val="66FF99"/>
+              </a:solidFill>
+            </a:endParaRPr>
+          </a:p>
+          <a:p>
+            <a:pPr marL="285750" indent="-285750">
+              <a:buClr>
+                <a:srgbClr val="CC99FF"/>
+              </a:buClr>
+              <a:buFont typeface="Wingdings" panose="05000000000000000000" pitchFamily="2" charset="2"/>
+              <a:buChar char="§"/>
+            </a:pPr>
+            <a:r>
+              <a:rPr lang="en-US" sz="1600" dirty="0">
+                <a:solidFill>
+                  <a:srgbClr val="66FF99"/>
+                </a:solidFill>
+              </a:rPr>
+              <a:t>Midterm Review (Online) tonight 6 – 7 pm</a:t>
+            </a:r>
+            <a:r>
+              <a:rPr lang="en-US" sz="1600" dirty="0">
+                <a:solidFill>
+                  <a:srgbClr val="CC99FF"/>
+                </a:solidFill>
+              </a:rPr>
+              <a:t>.</a:t>
+            </a:r>
+          </a:p>
+          <a:p>
+            <a:pPr marL="285750" indent="-285750">
+              <a:buClr>
+                <a:srgbClr val="CC99FF"/>
+              </a:buClr>
+              <a:buFont typeface="Wingdings" panose="05000000000000000000" pitchFamily="2" charset="2"/>
+              <a:buChar char="§"/>
+            </a:pPr>
+            <a:r>
+              <a:rPr lang="en-US" sz="1600" b="1" dirty="0">
+                <a:solidFill>
+                  <a:srgbClr val="CC99FF"/>
+                </a:solidFill>
+              </a:rPr>
+              <a:t>Term Test 1 </a:t>
+            </a:r>
+            <a:r>
+              <a:rPr lang="en-US" sz="1600" dirty="0">
+                <a:solidFill>
+                  <a:srgbClr val="66FF99"/>
+                </a:solidFill>
+              </a:rPr>
+              <a:t>next week</a:t>
+            </a:r>
+            <a:r>
+              <a:rPr lang="en-US" sz="1600" dirty="0">
+                <a:solidFill>
+                  <a:srgbClr val="CC99FF"/>
+                </a:solidFill>
+              </a:rPr>
+              <a:t>.</a:t>
+            </a:r>
+          </a:p>
+        </p:txBody>
+      </p:sp>
     </p:spTree>
     <p:extLst>
       <p:ext uri="{BB962C8B-B14F-4D97-AF65-F5344CB8AC3E}">
